--- a/DataEngineering/API_WebScr/Zoopla_ETL_Pipeline_Presentation.pptx
+++ b/DataEngineering/API_WebScr/Zoopla_ETL_Pipeline_Presentation.pptx
@@ -43714,10 +43714,10 @@
       </p:graphicFrame>
       <p:pic>
         <p:nvPicPr>
-          <p:cNvPr id="4" name="Picture 3" descr="A screenshot of a computer&#10;&#10;AI-generated content may be incorrect.">
+          <p:cNvPr id="5" name="Picture 4" descr="A screenshot of a computer&#10;&#10;AI-generated content may be incorrect.">
             <a:extLst>
               <a:ext uri="{FF2B5EF4-FFF2-40B4-BE49-F238E27FC236}">
-                <a16:creationId xmlns:a16="http://schemas.microsoft.com/office/drawing/2014/main" id="{F7982ADF-F5C5-7AEB-BABD-22FBC9146806}"/>
+                <a16:creationId xmlns:a16="http://schemas.microsoft.com/office/drawing/2014/main" id="{E81FBB9D-9CBD-04D4-7513-F0BCCFA15A30}"/>
               </a:ext>
             </a:extLst>
           </p:cNvPr>
@@ -43734,8 +43734,8 @@
         </p:blipFill>
         <p:spPr>
           <a:xfrm>
-            <a:off x="4572000" y="1509829"/>
-            <a:ext cx="4537451" cy="4453148"/>
+            <a:off x="4705498" y="1638896"/>
+            <a:ext cx="4335659" cy="4550286"/>
           </a:xfrm>
           <a:prstGeom prst="rect">
             <a:avLst/>
